--- a/99. Lecture note in ppt/12. IndexedDB3.pptx
+++ b/99. Lecture note in ppt/12. IndexedDB3.pptx
@@ -6,8 +6,11 @@
   </p:sldMasterIdLst>
   <p:sldIdLst>
     <p:sldId id="259" r:id="rId2"/>
-    <p:sldId id="522" r:id="rId3"/>
-    <p:sldId id="523" r:id="rId4"/>
+    <p:sldId id="523" r:id="rId3"/>
+    <p:sldId id="524" r:id="rId4"/>
+    <p:sldId id="525" r:id="rId5"/>
+    <p:sldId id="526" r:id="rId6"/>
+    <p:sldId id="527" r:id="rId7"/>
   </p:sldIdLst>
   <p:sldSz cx="12192000" cy="6858000"/>
   <p:notesSz cx="6858000" cy="9144000"/>
@@ -167,10 +170,9 @@
           </a:lstStyle>
           <a:p>
             <a:r>
-              <a:rPr lang="ko-KR" altLang="en-US" smtClean="0"/>
+              <a:rPr lang="ko-KR" altLang="en-US"/>
               <a:t>마스터 제목 스타일 편집</a:t>
             </a:r>
-            <a:endParaRPr lang="ko-KR" altLang="en-US"/>
           </a:p>
         </p:txBody>
       </p:sp>
@@ -232,10 +234,9 @@
           </a:lstStyle>
           <a:p>
             <a:r>
-              <a:rPr lang="ko-KR" altLang="en-US" smtClean="0"/>
+              <a:rPr lang="ko-KR" altLang="en-US"/>
               <a:t>클릭하여 마스터 부제목 스타일 편집</a:t>
             </a:r>
-            <a:endParaRPr lang="ko-KR" altLang="en-US"/>
           </a:p>
         </p:txBody>
       </p:sp>
@@ -256,7 +257,7 @@
           <a:p>
             <a:fld id="{B2970B56-F379-468E-8C04-AC3274656B30}" type="datetimeFigureOut">
               <a:rPr lang="ko-KR" altLang="en-US" smtClean="0"/>
-              <a:t>2023-04-13</a:t>
+              <a:t>2023-05-04</a:t>
             </a:fld>
             <a:endParaRPr lang="ko-KR" altLang="en-US"/>
           </a:p>
@@ -350,10 +351,9 @@
           <a:lstStyle/>
           <a:p>
             <a:r>
-              <a:rPr lang="ko-KR" altLang="en-US" smtClean="0"/>
+              <a:rPr lang="ko-KR" altLang="en-US"/>
               <a:t>마스터 제목 스타일 편집</a:t>
             </a:r>
-            <a:endParaRPr lang="ko-KR" altLang="en-US"/>
           </a:p>
         </p:txBody>
       </p:sp>
@@ -374,38 +374,37 @@
           <a:p>
             <a:pPr lvl="0"/>
             <a:r>
-              <a:rPr lang="ko-KR" altLang="en-US" smtClean="0"/>
+              <a:rPr lang="ko-KR" altLang="en-US"/>
               <a:t>마스터 텍스트 스타일 편집</a:t>
             </a:r>
           </a:p>
           <a:p>
             <a:pPr lvl="1"/>
             <a:r>
-              <a:rPr lang="ko-KR" altLang="en-US" smtClean="0"/>
+              <a:rPr lang="ko-KR" altLang="en-US"/>
               <a:t>둘째 수준</a:t>
             </a:r>
           </a:p>
           <a:p>
             <a:pPr lvl="2"/>
             <a:r>
-              <a:rPr lang="ko-KR" altLang="en-US" smtClean="0"/>
+              <a:rPr lang="ko-KR" altLang="en-US"/>
               <a:t>셋째 수준</a:t>
             </a:r>
           </a:p>
           <a:p>
             <a:pPr lvl="3"/>
             <a:r>
-              <a:rPr lang="ko-KR" altLang="en-US" smtClean="0"/>
+              <a:rPr lang="ko-KR" altLang="en-US"/>
               <a:t>넷째 수준</a:t>
             </a:r>
           </a:p>
           <a:p>
             <a:pPr lvl="4"/>
             <a:r>
-              <a:rPr lang="ko-KR" altLang="en-US" smtClean="0"/>
+              <a:rPr lang="ko-KR" altLang="en-US"/>
               <a:t>다섯째 수준</a:t>
             </a:r>
-            <a:endParaRPr lang="ko-KR" altLang="en-US"/>
           </a:p>
         </p:txBody>
       </p:sp>
@@ -426,7 +425,7 @@
           <a:p>
             <a:fld id="{B2970B56-F379-468E-8C04-AC3274656B30}" type="datetimeFigureOut">
               <a:rPr lang="ko-KR" altLang="en-US" smtClean="0"/>
-              <a:t>2023-04-13</a:t>
+              <a:t>2023-05-04</a:t>
             </a:fld>
             <a:endParaRPr lang="ko-KR" altLang="en-US"/>
           </a:p>
@@ -525,10 +524,9 @@
           <a:lstStyle/>
           <a:p>
             <a:r>
-              <a:rPr lang="ko-KR" altLang="en-US" smtClean="0"/>
+              <a:rPr lang="ko-KR" altLang="en-US"/>
               <a:t>마스터 제목 스타일 편집</a:t>
             </a:r>
-            <a:endParaRPr lang="ko-KR" altLang="en-US"/>
           </a:p>
         </p:txBody>
       </p:sp>
@@ -554,38 +552,37 @@
           <a:p>
             <a:pPr lvl="0"/>
             <a:r>
-              <a:rPr lang="ko-KR" altLang="en-US" smtClean="0"/>
+              <a:rPr lang="ko-KR" altLang="en-US"/>
               <a:t>마스터 텍스트 스타일 편집</a:t>
             </a:r>
           </a:p>
           <a:p>
             <a:pPr lvl="1"/>
             <a:r>
-              <a:rPr lang="ko-KR" altLang="en-US" smtClean="0"/>
+              <a:rPr lang="ko-KR" altLang="en-US"/>
               <a:t>둘째 수준</a:t>
             </a:r>
           </a:p>
           <a:p>
             <a:pPr lvl="2"/>
             <a:r>
-              <a:rPr lang="ko-KR" altLang="en-US" smtClean="0"/>
+              <a:rPr lang="ko-KR" altLang="en-US"/>
               <a:t>셋째 수준</a:t>
             </a:r>
           </a:p>
           <a:p>
             <a:pPr lvl="3"/>
             <a:r>
-              <a:rPr lang="ko-KR" altLang="en-US" smtClean="0"/>
+              <a:rPr lang="ko-KR" altLang="en-US"/>
               <a:t>넷째 수준</a:t>
             </a:r>
           </a:p>
           <a:p>
             <a:pPr lvl="4"/>
             <a:r>
-              <a:rPr lang="ko-KR" altLang="en-US" smtClean="0"/>
+              <a:rPr lang="ko-KR" altLang="en-US"/>
               <a:t>다섯째 수준</a:t>
             </a:r>
-            <a:endParaRPr lang="ko-KR" altLang="en-US"/>
           </a:p>
         </p:txBody>
       </p:sp>
@@ -606,7 +603,7 @@
           <a:p>
             <a:fld id="{B2970B56-F379-468E-8C04-AC3274656B30}" type="datetimeFigureOut">
               <a:rPr lang="ko-KR" altLang="en-US" smtClean="0"/>
-              <a:t>2023-04-13</a:t>
+              <a:t>2023-05-04</a:t>
             </a:fld>
             <a:endParaRPr lang="ko-KR" altLang="en-US"/>
           </a:p>
@@ -700,10 +697,9 @@
           <a:lstStyle/>
           <a:p>
             <a:r>
-              <a:rPr lang="ko-KR" altLang="en-US" smtClean="0"/>
+              <a:rPr lang="ko-KR" altLang="en-US"/>
               <a:t>마스터 제목 스타일 편집</a:t>
             </a:r>
-            <a:endParaRPr lang="ko-KR" altLang="en-US"/>
           </a:p>
         </p:txBody>
       </p:sp>
@@ -724,38 +720,37 @@
           <a:p>
             <a:pPr lvl="0"/>
             <a:r>
-              <a:rPr lang="ko-KR" altLang="en-US" smtClean="0"/>
+              <a:rPr lang="ko-KR" altLang="en-US"/>
               <a:t>마스터 텍스트 스타일 편집</a:t>
             </a:r>
           </a:p>
           <a:p>
             <a:pPr lvl="1"/>
             <a:r>
-              <a:rPr lang="ko-KR" altLang="en-US" smtClean="0"/>
+              <a:rPr lang="ko-KR" altLang="en-US"/>
               <a:t>둘째 수준</a:t>
             </a:r>
           </a:p>
           <a:p>
             <a:pPr lvl="2"/>
             <a:r>
-              <a:rPr lang="ko-KR" altLang="en-US" smtClean="0"/>
+              <a:rPr lang="ko-KR" altLang="en-US"/>
               <a:t>셋째 수준</a:t>
             </a:r>
           </a:p>
           <a:p>
             <a:pPr lvl="3"/>
             <a:r>
-              <a:rPr lang="ko-KR" altLang="en-US" smtClean="0"/>
+              <a:rPr lang="ko-KR" altLang="en-US"/>
               <a:t>넷째 수준</a:t>
             </a:r>
           </a:p>
           <a:p>
             <a:pPr lvl="4"/>
             <a:r>
-              <a:rPr lang="ko-KR" altLang="en-US" smtClean="0"/>
+              <a:rPr lang="ko-KR" altLang="en-US"/>
               <a:t>다섯째 수준</a:t>
             </a:r>
-            <a:endParaRPr lang="ko-KR" altLang="en-US"/>
           </a:p>
         </p:txBody>
       </p:sp>
@@ -776,7 +771,7 @@
           <a:p>
             <a:fld id="{B2970B56-F379-468E-8C04-AC3274656B30}" type="datetimeFigureOut">
               <a:rPr lang="ko-KR" altLang="en-US" smtClean="0"/>
-              <a:t>2023-04-13</a:t>
+              <a:t>2023-05-04</a:t>
             </a:fld>
             <a:endParaRPr lang="ko-KR" altLang="en-US"/>
           </a:p>
@@ -879,10 +874,9 @@
           </a:lstStyle>
           <a:p>
             <a:r>
-              <a:rPr lang="ko-KR" altLang="en-US" smtClean="0"/>
+              <a:rPr lang="ko-KR" altLang="en-US"/>
               <a:t>마스터 제목 스타일 편집</a:t>
             </a:r>
-            <a:endParaRPr lang="ko-KR" altLang="en-US"/>
           </a:p>
         </p:txBody>
       </p:sp>
@@ -999,7 +993,7 @@
           <a:p>
             <a:pPr lvl="0"/>
             <a:r>
-              <a:rPr lang="ko-KR" altLang="en-US" smtClean="0"/>
+              <a:rPr lang="ko-KR" altLang="en-US"/>
               <a:t>마스터 텍스트 스타일 편집</a:t>
             </a:r>
           </a:p>
@@ -1022,7 +1016,7 @@
           <a:p>
             <a:fld id="{B2970B56-F379-468E-8C04-AC3274656B30}" type="datetimeFigureOut">
               <a:rPr lang="ko-KR" altLang="en-US" smtClean="0"/>
-              <a:t>2023-04-13</a:t>
+              <a:t>2023-05-04</a:t>
             </a:fld>
             <a:endParaRPr lang="ko-KR" altLang="en-US"/>
           </a:p>
@@ -1116,10 +1110,9 @@
           <a:lstStyle/>
           <a:p>
             <a:r>
-              <a:rPr lang="ko-KR" altLang="en-US" smtClean="0"/>
+              <a:rPr lang="ko-KR" altLang="en-US"/>
               <a:t>마스터 제목 스타일 편집</a:t>
             </a:r>
-            <a:endParaRPr lang="ko-KR" altLang="en-US"/>
           </a:p>
         </p:txBody>
       </p:sp>
@@ -1145,38 +1138,37 @@
           <a:p>
             <a:pPr lvl="0"/>
             <a:r>
-              <a:rPr lang="ko-KR" altLang="en-US" smtClean="0"/>
+              <a:rPr lang="ko-KR" altLang="en-US"/>
               <a:t>마스터 텍스트 스타일 편집</a:t>
             </a:r>
           </a:p>
           <a:p>
             <a:pPr lvl="1"/>
             <a:r>
-              <a:rPr lang="ko-KR" altLang="en-US" smtClean="0"/>
+              <a:rPr lang="ko-KR" altLang="en-US"/>
               <a:t>둘째 수준</a:t>
             </a:r>
           </a:p>
           <a:p>
             <a:pPr lvl="2"/>
             <a:r>
-              <a:rPr lang="ko-KR" altLang="en-US" smtClean="0"/>
+              <a:rPr lang="ko-KR" altLang="en-US"/>
               <a:t>셋째 수준</a:t>
             </a:r>
           </a:p>
           <a:p>
             <a:pPr lvl="3"/>
             <a:r>
-              <a:rPr lang="ko-KR" altLang="en-US" smtClean="0"/>
+              <a:rPr lang="ko-KR" altLang="en-US"/>
               <a:t>넷째 수준</a:t>
             </a:r>
           </a:p>
           <a:p>
             <a:pPr lvl="4"/>
             <a:r>
-              <a:rPr lang="ko-KR" altLang="en-US" smtClean="0"/>
+              <a:rPr lang="ko-KR" altLang="en-US"/>
               <a:t>다섯째 수준</a:t>
             </a:r>
-            <a:endParaRPr lang="ko-KR" altLang="en-US"/>
           </a:p>
         </p:txBody>
       </p:sp>
@@ -1202,38 +1194,37 @@
           <a:p>
             <a:pPr lvl="0"/>
             <a:r>
-              <a:rPr lang="ko-KR" altLang="en-US" smtClean="0"/>
+              <a:rPr lang="ko-KR" altLang="en-US"/>
               <a:t>마스터 텍스트 스타일 편집</a:t>
             </a:r>
           </a:p>
           <a:p>
             <a:pPr lvl="1"/>
             <a:r>
-              <a:rPr lang="ko-KR" altLang="en-US" smtClean="0"/>
+              <a:rPr lang="ko-KR" altLang="en-US"/>
               <a:t>둘째 수준</a:t>
             </a:r>
           </a:p>
           <a:p>
             <a:pPr lvl="2"/>
             <a:r>
-              <a:rPr lang="ko-KR" altLang="en-US" smtClean="0"/>
+              <a:rPr lang="ko-KR" altLang="en-US"/>
               <a:t>셋째 수준</a:t>
             </a:r>
           </a:p>
           <a:p>
             <a:pPr lvl="3"/>
             <a:r>
-              <a:rPr lang="ko-KR" altLang="en-US" smtClean="0"/>
+              <a:rPr lang="ko-KR" altLang="en-US"/>
               <a:t>넷째 수준</a:t>
             </a:r>
           </a:p>
           <a:p>
             <a:pPr lvl="4"/>
             <a:r>
-              <a:rPr lang="ko-KR" altLang="en-US" smtClean="0"/>
+              <a:rPr lang="ko-KR" altLang="en-US"/>
               <a:t>다섯째 수준</a:t>
             </a:r>
-            <a:endParaRPr lang="ko-KR" altLang="en-US"/>
           </a:p>
         </p:txBody>
       </p:sp>
@@ -1254,7 +1245,7 @@
           <a:p>
             <a:fld id="{B2970B56-F379-468E-8C04-AC3274656B30}" type="datetimeFigureOut">
               <a:rPr lang="ko-KR" altLang="en-US" smtClean="0"/>
-              <a:t>2023-04-13</a:t>
+              <a:t>2023-05-04</a:t>
             </a:fld>
             <a:endParaRPr lang="ko-KR" altLang="en-US"/>
           </a:p>
@@ -1353,10 +1344,9 @@
           <a:lstStyle/>
           <a:p>
             <a:r>
-              <a:rPr lang="ko-KR" altLang="en-US" smtClean="0"/>
+              <a:rPr lang="ko-KR" altLang="en-US"/>
               <a:t>마스터 제목 스타일 편집</a:t>
             </a:r>
-            <a:endParaRPr lang="ko-KR" altLang="en-US"/>
           </a:p>
         </p:txBody>
       </p:sp>
@@ -1419,7 +1409,7 @@
           <a:p>
             <a:pPr lvl="0"/>
             <a:r>
-              <a:rPr lang="ko-KR" altLang="en-US" smtClean="0"/>
+              <a:rPr lang="ko-KR" altLang="en-US"/>
               <a:t>마스터 텍스트 스타일 편집</a:t>
             </a:r>
           </a:p>
@@ -1447,38 +1437,37 @@
           <a:p>
             <a:pPr lvl="0"/>
             <a:r>
-              <a:rPr lang="ko-KR" altLang="en-US" smtClean="0"/>
+              <a:rPr lang="ko-KR" altLang="en-US"/>
               <a:t>마스터 텍스트 스타일 편집</a:t>
             </a:r>
           </a:p>
           <a:p>
             <a:pPr lvl="1"/>
             <a:r>
-              <a:rPr lang="ko-KR" altLang="en-US" smtClean="0"/>
+              <a:rPr lang="ko-KR" altLang="en-US"/>
               <a:t>둘째 수준</a:t>
             </a:r>
           </a:p>
           <a:p>
             <a:pPr lvl="2"/>
             <a:r>
-              <a:rPr lang="ko-KR" altLang="en-US" smtClean="0"/>
+              <a:rPr lang="ko-KR" altLang="en-US"/>
               <a:t>셋째 수준</a:t>
             </a:r>
           </a:p>
           <a:p>
             <a:pPr lvl="3"/>
             <a:r>
-              <a:rPr lang="ko-KR" altLang="en-US" smtClean="0"/>
+              <a:rPr lang="ko-KR" altLang="en-US"/>
               <a:t>넷째 수준</a:t>
             </a:r>
           </a:p>
           <a:p>
             <a:pPr lvl="4"/>
             <a:r>
-              <a:rPr lang="ko-KR" altLang="en-US" smtClean="0"/>
+              <a:rPr lang="ko-KR" altLang="en-US"/>
               <a:t>다섯째 수준</a:t>
             </a:r>
-            <a:endParaRPr lang="ko-KR" altLang="en-US"/>
           </a:p>
         </p:txBody>
       </p:sp>
@@ -1541,7 +1530,7 @@
           <a:p>
             <a:pPr lvl="0"/>
             <a:r>
-              <a:rPr lang="ko-KR" altLang="en-US" smtClean="0"/>
+              <a:rPr lang="ko-KR" altLang="en-US"/>
               <a:t>마스터 텍스트 스타일 편집</a:t>
             </a:r>
           </a:p>
@@ -1569,38 +1558,37 @@
           <a:p>
             <a:pPr lvl="0"/>
             <a:r>
-              <a:rPr lang="ko-KR" altLang="en-US" smtClean="0"/>
+              <a:rPr lang="ko-KR" altLang="en-US"/>
               <a:t>마스터 텍스트 스타일 편집</a:t>
             </a:r>
           </a:p>
           <a:p>
             <a:pPr lvl="1"/>
             <a:r>
-              <a:rPr lang="ko-KR" altLang="en-US" smtClean="0"/>
+              <a:rPr lang="ko-KR" altLang="en-US"/>
               <a:t>둘째 수준</a:t>
             </a:r>
           </a:p>
           <a:p>
             <a:pPr lvl="2"/>
             <a:r>
-              <a:rPr lang="ko-KR" altLang="en-US" smtClean="0"/>
+              <a:rPr lang="ko-KR" altLang="en-US"/>
               <a:t>셋째 수준</a:t>
             </a:r>
           </a:p>
           <a:p>
             <a:pPr lvl="3"/>
             <a:r>
-              <a:rPr lang="ko-KR" altLang="en-US" smtClean="0"/>
+              <a:rPr lang="ko-KR" altLang="en-US"/>
               <a:t>넷째 수준</a:t>
             </a:r>
           </a:p>
           <a:p>
             <a:pPr lvl="4"/>
             <a:r>
-              <a:rPr lang="ko-KR" altLang="en-US" smtClean="0"/>
+              <a:rPr lang="ko-KR" altLang="en-US"/>
               <a:t>다섯째 수준</a:t>
             </a:r>
-            <a:endParaRPr lang="ko-KR" altLang="en-US"/>
           </a:p>
         </p:txBody>
       </p:sp>
@@ -1621,7 +1609,7 @@
           <a:p>
             <a:fld id="{B2970B56-F379-468E-8C04-AC3274656B30}" type="datetimeFigureOut">
               <a:rPr lang="ko-KR" altLang="en-US" smtClean="0"/>
-              <a:t>2023-04-13</a:t>
+              <a:t>2023-05-04</a:t>
             </a:fld>
             <a:endParaRPr lang="ko-KR" altLang="en-US"/>
           </a:p>
@@ -1715,10 +1703,9 @@
           <a:lstStyle/>
           <a:p>
             <a:r>
-              <a:rPr lang="ko-KR" altLang="en-US" smtClean="0"/>
+              <a:rPr lang="ko-KR" altLang="en-US"/>
               <a:t>마스터 제목 스타일 편집</a:t>
             </a:r>
-            <a:endParaRPr lang="ko-KR" altLang="en-US"/>
           </a:p>
         </p:txBody>
       </p:sp>
@@ -1739,7 +1726,7 @@
           <a:p>
             <a:fld id="{B2970B56-F379-468E-8C04-AC3274656B30}" type="datetimeFigureOut">
               <a:rPr lang="ko-KR" altLang="en-US" smtClean="0"/>
-              <a:t>2023-04-13</a:t>
+              <a:t>2023-05-04</a:t>
             </a:fld>
             <a:endParaRPr lang="ko-KR" altLang="en-US"/>
           </a:p>
@@ -1834,7 +1821,7 @@
           <a:p>
             <a:fld id="{B2970B56-F379-468E-8C04-AC3274656B30}" type="datetimeFigureOut">
               <a:rPr lang="ko-KR" altLang="en-US" smtClean="0"/>
-              <a:t>2023-04-13</a:t>
+              <a:t>2023-05-04</a:t>
             </a:fld>
             <a:endParaRPr lang="ko-KR" altLang="en-US"/>
           </a:p>
@@ -1937,10 +1924,9 @@
           </a:lstStyle>
           <a:p>
             <a:r>
-              <a:rPr lang="ko-KR" altLang="en-US" smtClean="0"/>
+              <a:rPr lang="ko-KR" altLang="en-US"/>
               <a:t>마스터 제목 스타일 편집</a:t>
             </a:r>
-            <a:endParaRPr lang="ko-KR" altLang="en-US"/>
           </a:p>
         </p:txBody>
       </p:sp>
@@ -1994,38 +1980,37 @@
           <a:p>
             <a:pPr lvl="0"/>
             <a:r>
-              <a:rPr lang="ko-KR" altLang="en-US" smtClean="0"/>
+              <a:rPr lang="ko-KR" altLang="en-US"/>
               <a:t>마스터 텍스트 스타일 편집</a:t>
             </a:r>
           </a:p>
           <a:p>
             <a:pPr lvl="1"/>
             <a:r>
-              <a:rPr lang="ko-KR" altLang="en-US" smtClean="0"/>
+              <a:rPr lang="ko-KR" altLang="en-US"/>
               <a:t>둘째 수준</a:t>
             </a:r>
           </a:p>
           <a:p>
             <a:pPr lvl="2"/>
             <a:r>
-              <a:rPr lang="ko-KR" altLang="en-US" smtClean="0"/>
+              <a:rPr lang="ko-KR" altLang="en-US"/>
               <a:t>셋째 수준</a:t>
             </a:r>
           </a:p>
           <a:p>
             <a:pPr lvl="3"/>
             <a:r>
-              <a:rPr lang="ko-KR" altLang="en-US" smtClean="0"/>
+              <a:rPr lang="ko-KR" altLang="en-US"/>
               <a:t>넷째 수준</a:t>
             </a:r>
           </a:p>
           <a:p>
             <a:pPr lvl="4"/>
             <a:r>
-              <a:rPr lang="ko-KR" altLang="en-US" smtClean="0"/>
+              <a:rPr lang="ko-KR" altLang="en-US"/>
               <a:t>다섯째 수준</a:t>
             </a:r>
-            <a:endParaRPr lang="ko-KR" altLang="en-US"/>
           </a:p>
         </p:txBody>
       </p:sp>
@@ -2088,7 +2073,7 @@
           <a:p>
             <a:pPr lvl="0"/>
             <a:r>
-              <a:rPr lang="ko-KR" altLang="en-US" smtClean="0"/>
+              <a:rPr lang="ko-KR" altLang="en-US"/>
               <a:t>마스터 텍스트 스타일 편집</a:t>
             </a:r>
           </a:p>
@@ -2111,7 +2096,7 @@
           <a:p>
             <a:fld id="{B2970B56-F379-468E-8C04-AC3274656B30}" type="datetimeFigureOut">
               <a:rPr lang="ko-KR" altLang="en-US" smtClean="0"/>
-              <a:t>2023-04-13</a:t>
+              <a:t>2023-05-04</a:t>
             </a:fld>
             <a:endParaRPr lang="ko-KR" altLang="en-US"/>
           </a:p>
@@ -2214,10 +2199,9 @@
           </a:lstStyle>
           <a:p>
             <a:r>
-              <a:rPr lang="ko-KR" altLang="en-US" smtClean="0"/>
+              <a:rPr lang="ko-KR" altLang="en-US"/>
               <a:t>마스터 제목 스타일 편집</a:t>
             </a:r>
-            <a:endParaRPr lang="ko-KR" altLang="en-US"/>
           </a:p>
         </p:txBody>
       </p:sp>
@@ -2341,7 +2325,7 @@
           <a:p>
             <a:pPr lvl="0"/>
             <a:r>
-              <a:rPr lang="ko-KR" altLang="en-US" smtClean="0"/>
+              <a:rPr lang="ko-KR" altLang="en-US"/>
               <a:t>마스터 텍스트 스타일 편집</a:t>
             </a:r>
           </a:p>
@@ -2364,7 +2348,7 @@
           <a:p>
             <a:fld id="{B2970B56-F379-468E-8C04-AC3274656B30}" type="datetimeFigureOut">
               <a:rPr lang="ko-KR" altLang="en-US" smtClean="0"/>
-              <a:t>2023-04-13</a:t>
+              <a:t>2023-05-04</a:t>
             </a:fld>
             <a:endParaRPr lang="ko-KR" altLang="en-US"/>
           </a:p>
@@ -2473,10 +2457,9 @@
           <a:lstStyle/>
           <a:p>
             <a:r>
-              <a:rPr lang="ko-KR" altLang="en-US" smtClean="0"/>
+              <a:rPr lang="ko-KR" altLang="en-US"/>
               <a:t>마스터 제목 스타일 편집</a:t>
             </a:r>
-            <a:endParaRPr lang="ko-KR" altLang="en-US"/>
           </a:p>
         </p:txBody>
       </p:sp>
@@ -2507,38 +2490,37 @@
           <a:p>
             <a:pPr lvl="0"/>
             <a:r>
-              <a:rPr lang="ko-KR" altLang="en-US" smtClean="0"/>
+              <a:rPr lang="ko-KR" altLang="en-US"/>
               <a:t>마스터 텍스트 스타일 편집</a:t>
             </a:r>
           </a:p>
           <a:p>
             <a:pPr lvl="1"/>
             <a:r>
-              <a:rPr lang="ko-KR" altLang="en-US" smtClean="0"/>
+              <a:rPr lang="ko-KR" altLang="en-US"/>
               <a:t>둘째 수준</a:t>
             </a:r>
           </a:p>
           <a:p>
             <a:pPr lvl="2"/>
             <a:r>
-              <a:rPr lang="ko-KR" altLang="en-US" smtClean="0"/>
+              <a:rPr lang="ko-KR" altLang="en-US"/>
               <a:t>셋째 수준</a:t>
             </a:r>
           </a:p>
           <a:p>
             <a:pPr lvl="3"/>
             <a:r>
-              <a:rPr lang="ko-KR" altLang="en-US" smtClean="0"/>
+              <a:rPr lang="ko-KR" altLang="en-US"/>
               <a:t>넷째 수준</a:t>
             </a:r>
           </a:p>
           <a:p>
             <a:pPr lvl="4"/>
             <a:r>
-              <a:rPr lang="ko-KR" altLang="en-US" smtClean="0"/>
+              <a:rPr lang="ko-KR" altLang="en-US"/>
               <a:t>다섯째 수준</a:t>
             </a:r>
-            <a:endParaRPr lang="ko-KR" altLang="en-US"/>
           </a:p>
         </p:txBody>
       </p:sp>
@@ -2577,7 +2559,7 @@
           <a:p>
             <a:fld id="{B2970B56-F379-468E-8C04-AC3274656B30}" type="datetimeFigureOut">
               <a:rPr lang="ko-KR" altLang="en-US" smtClean="0"/>
-              <a:t>2023-04-13</a:t>
+              <a:t>2023-05-04</a:t>
             </a:fld>
             <a:endParaRPr lang="ko-KR" altLang="en-US"/>
           </a:p>
@@ -3027,7 +3009,7 @@
           <a:p>
             <a:pPr algn="ctr"/>
             <a:r>
-              <a:rPr lang="en-US" altLang="ko-KR" dirty="0" smtClean="0">
+              <a:rPr lang="en-US" altLang="ko-KR" dirty="0">
                 <a:solidFill>
                   <a:schemeClr val="tx1"/>
                 </a:solidFill>
@@ -3052,13 +3034,6 @@
   <p:clrMapOvr>
     <a:masterClrMapping/>
   </p:clrMapOvr>
-  <p:timing>
-    <p:tnLst>
-      <p:par>
-        <p:cTn id="1" dur="indefinite" restart="never" nodeType="tmRoot"/>
-      </p:par>
-    </p:tnLst>
-  </p:timing>
 </p:sld>
 </file>
 
@@ -3081,7 +3056,7 @@
       </p:grpSpPr>
       <p:sp>
         <p:nvSpPr>
-          <p:cNvPr id="4" name="직사각형 3"/>
+          <p:cNvPr id="2" name="직사각형 1"/>
           <p:cNvSpPr/>
           <p:nvPr/>
         </p:nvSpPr>
@@ -3124,12 +3099,12 @@
           <a:p>
             <a:pPr algn="ctr"/>
             <a:r>
-              <a:rPr lang="en-US" altLang="ko-KR" dirty="0" smtClean="0">
+              <a:rPr lang="en-US" altLang="ko-KR" dirty="0">
                 <a:solidFill>
                   <a:schemeClr val="tx1"/>
                 </a:solidFill>
               </a:rPr>
-              <a:t>IndexedDB</a:t>
+              <a:t>Cursor</a:t>
             </a:r>
             <a:endParaRPr lang="ko-KR" altLang="en-US" dirty="0">
               <a:solidFill>
@@ -3142,20 +3117,13 @@
     </p:spTree>
     <p:extLst>
       <p:ext uri="{BB962C8B-B14F-4D97-AF65-F5344CB8AC3E}">
-        <p14:creationId xmlns:p14="http://schemas.microsoft.com/office/powerpoint/2010/main" val="2839315648"/>
+        <p14:creationId xmlns:p14="http://schemas.microsoft.com/office/powerpoint/2010/main" val="794113668"/>
       </p:ext>
     </p:extLst>
   </p:cSld>
   <p:clrMapOvr>
     <a:masterClrMapping/>
   </p:clrMapOvr>
-  <p:timing>
-    <p:tnLst>
-      <p:par>
-        <p:cTn id="1" dur="indefinite" restart="never" nodeType="tmRoot"/>
-      </p:par>
-    </p:tnLst>
-  </p:timing>
 </p:sld>
 </file>
 
@@ -3176,15 +3144,126 @@
           <a:chExt cx="0" cy="0"/>
         </a:xfrm>
       </p:grpSpPr>
-      <p:sp>
-        <p:nvSpPr>
-          <p:cNvPr id="2" name="직사각형 1"/>
+      <p:pic>
+        <p:nvPicPr>
+          <p:cNvPr id="1026" name="Picture 2" descr="スーパーマリオブラザーズ3 - The Cutting Room Floor">
+            <a:extLst>
+              <a:ext uri="{FF2B5EF4-FFF2-40B4-BE49-F238E27FC236}">
+                <a16:creationId xmlns:a16="http://schemas.microsoft.com/office/drawing/2014/main" id="{01321D2E-3D2B-E780-7E0C-C28D58CB277C}"/>
+              </a:ext>
+            </a:extLst>
+          </p:cNvPr>
+          <p:cNvPicPr>
+            <a:picLocks noChangeAspect="1" noChangeArrowheads="1"/>
+          </p:cNvPicPr>
+          <p:nvPr/>
+        </p:nvPicPr>
+        <p:blipFill>
+          <a:blip r:embed="rId2">
+            <a:extLst>
+              <a:ext uri="{28A0092B-C50C-407E-A947-70E740481C1C}">
+                <a14:useLocalDpi xmlns:a14="http://schemas.microsoft.com/office/drawing/2010/main" val="0"/>
+              </a:ext>
+            </a:extLst>
+          </a:blip>
+          <a:srcRect/>
+          <a:stretch>
+            <a:fillRect/>
+          </a:stretch>
+        </p:blipFill>
+        <p:spPr bwMode="auto">
+          <a:xfrm>
+            <a:off x="3948056" y="1415303"/>
+            <a:ext cx="4295887" cy="4027394"/>
+          </a:xfrm>
+          <a:prstGeom prst="rect">
+            <a:avLst/>
+          </a:prstGeom>
+          <a:noFill/>
+          <a:extLst>
+            <a:ext uri="{909E8E84-426E-40DD-AFC4-6F175D3DCCD1}">
+              <a14:hiddenFill xmlns:a14="http://schemas.microsoft.com/office/drawing/2010/main">
+                <a:solidFill>
+                  <a:srgbClr val="FFFFFF"/>
+                </a:solidFill>
+              </a14:hiddenFill>
+            </a:ext>
+          </a:extLst>
+        </p:spPr>
+      </p:pic>
+      <p:sp>
+        <p:nvSpPr>
+          <p:cNvPr id="4" name="직사각형 3">
+            <a:extLst>
+              <a:ext uri="{FF2B5EF4-FFF2-40B4-BE49-F238E27FC236}">
+                <a16:creationId xmlns:a16="http://schemas.microsoft.com/office/drawing/2014/main" id="{FA1DD90E-93E3-0162-D8ED-60BDF1AFAB8A}"/>
+              </a:ext>
+            </a:extLst>
+          </p:cNvPr>
           <p:cNvSpPr/>
           <p:nvPr/>
         </p:nvSpPr>
         <p:spPr>
           <a:xfrm>
-            <a:off x="4663046" y="3097394"/>
+            <a:off x="5039564" y="3816812"/>
+            <a:ext cx="460283" cy="378670"/>
+          </a:xfrm>
+          <a:prstGeom prst="rect">
+            <a:avLst/>
+          </a:prstGeom>
+          <a:solidFill>
+            <a:srgbClr val="00B0F0">
+              <a:alpha val="34000"/>
+            </a:srgbClr>
+          </a:solidFill>
+          <a:ln w="38100">
+            <a:noFill/>
+          </a:ln>
+        </p:spPr>
+        <p:style>
+          <a:lnRef idx="2">
+            <a:schemeClr val="accent1">
+              <a:shade val="50000"/>
+            </a:schemeClr>
+          </a:lnRef>
+          <a:fillRef idx="1">
+            <a:schemeClr val="accent1"/>
+          </a:fillRef>
+          <a:effectRef idx="0">
+            <a:schemeClr val="accent1"/>
+          </a:effectRef>
+          <a:fontRef idx="minor">
+            <a:schemeClr val="lt1"/>
+          </a:fontRef>
+        </p:style>
+        <p:txBody>
+          <a:bodyPr rtlCol="0" anchor="ctr"/>
+          <a:lstStyle/>
+          <a:p>
+            <a:pPr algn="ctr"/>
+            <a:endParaRPr lang="ko-KR" altLang="en-US" dirty="0">
+              <a:solidFill>
+                <a:schemeClr val="tx1"/>
+              </a:solidFill>
+            </a:endParaRPr>
+          </a:p>
+        </p:txBody>
+      </p:sp>
+      <p:sp>
+        <p:nvSpPr>
+          <p:cNvPr id="5" name="직사각형 4">
+            <a:extLst>
+              <a:ext uri="{FF2B5EF4-FFF2-40B4-BE49-F238E27FC236}">
+                <a16:creationId xmlns:a16="http://schemas.microsoft.com/office/drawing/2014/main" id="{98C5F21D-F1C5-E78B-4A11-4E42D473519B}"/>
+              </a:ext>
+            </a:extLst>
+          </p:cNvPr>
+          <p:cNvSpPr/>
+          <p:nvPr/>
+        </p:nvSpPr>
+        <p:spPr>
+          <a:xfrm>
+            <a:off x="4663046" y="5698185"/>
             <a:ext cx="2865905" cy="736238"/>
           </a:xfrm>
           <a:prstGeom prst="rect">
@@ -3221,12 +3300,47 @@
           <a:p>
             <a:pPr algn="ctr"/>
             <a:r>
-              <a:rPr lang="en-US" altLang="ko-KR" dirty="0" smtClean="0">
+              <a:rPr lang="ko-KR" altLang="en-US" dirty="0">
                 <a:solidFill>
                   <a:schemeClr val="tx1"/>
                 </a:solidFill>
               </a:rPr>
-              <a:t>Cursor</a:t>
+              <a:t>대충 이런 기능</a:t>
+            </a:r>
+            <a:r>
+              <a:rPr lang="en-US" altLang="ko-KR" dirty="0">
+                <a:solidFill>
+                  <a:schemeClr val="tx1"/>
+                </a:solidFill>
+              </a:rPr>
+              <a:t>.</a:t>
+            </a:r>
+          </a:p>
+          <a:p>
+            <a:pPr algn="ctr"/>
+            <a:r>
+              <a:rPr lang="en-US" altLang="ko-KR" dirty="0">
+                <a:solidFill>
+                  <a:schemeClr val="tx1"/>
+                </a:solidFill>
+              </a:rPr>
+              <a:t>SQL</a:t>
+            </a:r>
+            <a:r>
+              <a:rPr lang="ko-KR" altLang="en-US" dirty="0">
+                <a:solidFill>
+                  <a:schemeClr val="tx1"/>
+                </a:solidFill>
+              </a:rPr>
+              <a:t>의 실행 결과를 선택하는 것</a:t>
+            </a:r>
+            <a:r>
+              <a:rPr lang="en-US" altLang="ko-KR" dirty="0">
+                <a:solidFill>
+                  <a:schemeClr val="tx1"/>
+                </a:solidFill>
+              </a:rPr>
+              <a:t>.</a:t>
             </a:r>
             <a:endParaRPr lang="ko-KR" altLang="en-US" dirty="0">
               <a:solidFill>
@@ -3239,7 +3353,440 @@
     </p:spTree>
     <p:extLst>
       <p:ext uri="{BB962C8B-B14F-4D97-AF65-F5344CB8AC3E}">
-        <p14:creationId xmlns:p14="http://schemas.microsoft.com/office/powerpoint/2010/main" val="794113668"/>
+        <p14:creationId xmlns:p14="http://schemas.microsoft.com/office/powerpoint/2010/main" val="1201724723"/>
+      </p:ext>
+    </p:extLst>
+  </p:cSld>
+  <p:clrMapOvr>
+    <a:masterClrMapping/>
+  </p:clrMapOvr>
+</p:sld>
+</file>
+
+<file path=ppt/slides/slide4.xml><?xml version="1.0" encoding="utf-8"?>
+<p:sld xmlns:a="http://schemas.openxmlformats.org/drawingml/2006/main" xmlns:r="http://schemas.openxmlformats.org/officeDocument/2006/relationships" xmlns:p="http://schemas.openxmlformats.org/presentationml/2006/main">
+  <p:cSld>
+    <p:spTree>
+      <p:nvGrpSpPr>
+        <p:cNvPr id="1" name=""/>
+        <p:cNvGrpSpPr/>
+        <p:nvPr/>
+      </p:nvGrpSpPr>
+      <p:grpSpPr>
+        <a:xfrm>
+          <a:off x="0" y="0"/>
+          <a:ext cx="0" cy="0"/>
+          <a:chOff x="0" y="0"/>
+          <a:chExt cx="0" cy="0"/>
+        </a:xfrm>
+      </p:grpSpPr>
+      <p:pic>
+        <p:nvPicPr>
+          <p:cNvPr id="5" name="그림 4">
+            <a:extLst>
+              <a:ext uri="{FF2B5EF4-FFF2-40B4-BE49-F238E27FC236}">
+                <a16:creationId xmlns:a16="http://schemas.microsoft.com/office/drawing/2014/main" id="{AB9BEEF1-9B5E-1B18-C1C5-E77E1AD11B1C}"/>
+              </a:ext>
+            </a:extLst>
+          </p:cNvPr>
+          <p:cNvPicPr>
+            <a:picLocks noChangeAspect="1"/>
+          </p:cNvPicPr>
+          <p:nvPr/>
+        </p:nvPicPr>
+        <p:blipFill>
+          <a:blip r:embed="rId2"/>
+          <a:stretch>
+            <a:fillRect/>
+          </a:stretch>
+        </p:blipFill>
+        <p:spPr>
+          <a:xfrm>
+            <a:off x="3057101" y="1719024"/>
+            <a:ext cx="6077798" cy="3419952"/>
+          </a:xfrm>
+          <a:prstGeom prst="rect">
+            <a:avLst/>
+          </a:prstGeom>
+        </p:spPr>
+      </p:pic>
+      <p:sp>
+        <p:nvSpPr>
+          <p:cNvPr id="6" name="직사각형 5">
+            <a:extLst>
+              <a:ext uri="{FF2B5EF4-FFF2-40B4-BE49-F238E27FC236}">
+                <a16:creationId xmlns:a16="http://schemas.microsoft.com/office/drawing/2014/main" id="{85342B27-254D-7DF8-1E75-11FC8FF67D31}"/>
+              </a:ext>
+            </a:extLst>
+          </p:cNvPr>
+          <p:cNvSpPr/>
+          <p:nvPr/>
+        </p:nvSpPr>
+        <p:spPr>
+          <a:xfrm>
+            <a:off x="4663047" y="5311942"/>
+            <a:ext cx="2865905" cy="1447336"/>
+          </a:xfrm>
+          <a:prstGeom prst="rect">
+            <a:avLst/>
+          </a:prstGeom>
+          <a:solidFill>
+            <a:srgbClr val="00B0F0">
+              <a:alpha val="34000"/>
+            </a:srgbClr>
+          </a:solidFill>
+          <a:ln w="38100">
+            <a:noFill/>
+          </a:ln>
+        </p:spPr>
+        <p:style>
+          <a:lnRef idx="2">
+            <a:schemeClr val="accent1">
+              <a:shade val="50000"/>
+            </a:schemeClr>
+          </a:lnRef>
+          <a:fillRef idx="1">
+            <a:schemeClr val="accent1"/>
+          </a:fillRef>
+          <a:effectRef idx="0">
+            <a:schemeClr val="accent1"/>
+          </a:effectRef>
+          <a:fontRef idx="minor">
+            <a:schemeClr val="lt1"/>
+          </a:fontRef>
+        </p:style>
+        <p:txBody>
+          <a:bodyPr rtlCol="0" anchor="ctr"/>
+          <a:lstStyle/>
+          <a:p>
+            <a:pPr algn="ctr"/>
+            <a:r>
+              <a:rPr lang="en-US" altLang="ko-KR" i="1" dirty="0">
+                <a:solidFill>
+                  <a:schemeClr val="tx1"/>
+                </a:solidFill>
+              </a:rPr>
+              <a:t>pointer</a:t>
+            </a:r>
+            <a:r>
+              <a:rPr lang="ko-KR" altLang="en-US" i="1" dirty="0">
+                <a:solidFill>
+                  <a:schemeClr val="tx1"/>
+                </a:solidFill>
+              </a:rPr>
+              <a:t>를 갖다 이동시켜서 </a:t>
+            </a:r>
+            <a:r>
+              <a:rPr lang="en-US" altLang="ko-KR" i="1" dirty="0">
+                <a:solidFill>
+                  <a:schemeClr val="tx1"/>
+                </a:solidFill>
+              </a:rPr>
+              <a:t>pointer</a:t>
+            </a:r>
+            <a:r>
+              <a:rPr lang="ko-KR" altLang="en-US" i="1" dirty="0">
+                <a:solidFill>
+                  <a:schemeClr val="tx1"/>
+                </a:solidFill>
+              </a:rPr>
+              <a:t>에 해당하는 내용을 삭제하거나 </a:t>
+            </a:r>
+            <a:r>
+              <a:rPr lang="en-US" altLang="ko-KR" i="1" dirty="0">
+                <a:solidFill>
+                  <a:schemeClr val="tx1"/>
+                </a:solidFill>
+              </a:rPr>
+              <a:t>update</a:t>
+            </a:r>
+            <a:r>
+              <a:rPr lang="ko-KR" altLang="en-US" i="1" dirty="0">
+                <a:solidFill>
+                  <a:schemeClr val="tx1"/>
+                </a:solidFill>
+              </a:rPr>
+              <a:t>하거나 이런 거에 대한 내용이 가능해요</a:t>
+            </a:r>
+            <a:r>
+              <a:rPr lang="en-US" altLang="ko-KR" i="1" dirty="0">
+                <a:solidFill>
+                  <a:schemeClr val="tx1"/>
+                </a:solidFill>
+              </a:rPr>
+              <a:t>. </a:t>
+            </a:r>
+            <a:r>
+              <a:rPr lang="ko-KR" altLang="en-US" i="1" dirty="0">
+                <a:solidFill>
+                  <a:schemeClr val="tx1"/>
+                </a:solidFill>
+              </a:rPr>
+              <a:t>오케이</a:t>
+            </a:r>
+            <a:r>
+              <a:rPr lang="en-US" altLang="ko-KR" i="1" dirty="0">
+                <a:solidFill>
+                  <a:schemeClr val="tx1"/>
+                </a:solidFill>
+              </a:rPr>
+              <a:t>?</a:t>
+            </a:r>
+          </a:p>
+        </p:txBody>
+      </p:sp>
+    </p:spTree>
+    <p:extLst>
+      <p:ext uri="{BB962C8B-B14F-4D97-AF65-F5344CB8AC3E}">
+        <p14:creationId xmlns:p14="http://schemas.microsoft.com/office/powerpoint/2010/main" val="3236740942"/>
+      </p:ext>
+    </p:extLst>
+  </p:cSld>
+  <p:clrMapOvr>
+    <a:masterClrMapping/>
+  </p:clrMapOvr>
+</p:sld>
+</file>
+
+<file path=ppt/slides/slide5.xml><?xml version="1.0" encoding="utf-8"?>
+<p:sld xmlns:a="http://schemas.openxmlformats.org/drawingml/2006/main" xmlns:r="http://schemas.openxmlformats.org/officeDocument/2006/relationships" xmlns:p="http://schemas.openxmlformats.org/presentationml/2006/main">
+  <p:cSld>
+    <p:spTree>
+      <p:nvGrpSpPr>
+        <p:cNvPr id="1" name=""/>
+        <p:cNvGrpSpPr/>
+        <p:nvPr/>
+      </p:nvGrpSpPr>
+      <p:grpSpPr>
+        <a:xfrm>
+          <a:off x="0" y="0"/>
+          <a:ext cx="0" cy="0"/>
+          <a:chOff x="0" y="0"/>
+          <a:chExt cx="0" cy="0"/>
+        </a:xfrm>
+      </p:grpSpPr>
+      <p:pic>
+        <p:nvPicPr>
+          <p:cNvPr id="5" name="그림 4">
+            <a:extLst>
+              <a:ext uri="{FF2B5EF4-FFF2-40B4-BE49-F238E27FC236}">
+                <a16:creationId xmlns:a16="http://schemas.microsoft.com/office/drawing/2014/main" id="{ED9F0FAF-5AA5-AF8A-0EC3-3B44255A201D}"/>
+              </a:ext>
+            </a:extLst>
+          </p:cNvPr>
+          <p:cNvPicPr>
+            <a:picLocks noChangeAspect="1"/>
+          </p:cNvPicPr>
+          <p:nvPr/>
+        </p:nvPicPr>
+        <p:blipFill>
+          <a:blip r:embed="rId2"/>
+          <a:stretch>
+            <a:fillRect/>
+          </a:stretch>
+        </p:blipFill>
+        <p:spPr>
+          <a:xfrm>
+            <a:off x="2533153" y="771154"/>
+            <a:ext cx="7125694" cy="5315692"/>
+          </a:xfrm>
+          <a:prstGeom prst="rect">
+            <a:avLst/>
+          </a:prstGeom>
+        </p:spPr>
+      </p:pic>
+    </p:spTree>
+    <p:extLst>
+      <p:ext uri="{BB962C8B-B14F-4D97-AF65-F5344CB8AC3E}">
+        <p14:creationId xmlns:p14="http://schemas.microsoft.com/office/powerpoint/2010/main" val="2430340343"/>
+      </p:ext>
+    </p:extLst>
+  </p:cSld>
+  <p:clrMapOvr>
+    <a:masterClrMapping/>
+  </p:clrMapOvr>
+</p:sld>
+</file>
+
+<file path=ppt/slides/slide6.xml><?xml version="1.0" encoding="utf-8"?>
+<p:sld xmlns:a="http://schemas.openxmlformats.org/drawingml/2006/main" xmlns:r="http://schemas.openxmlformats.org/officeDocument/2006/relationships" xmlns:p="http://schemas.openxmlformats.org/presentationml/2006/main">
+  <p:cSld>
+    <p:spTree>
+      <p:nvGrpSpPr>
+        <p:cNvPr id="1" name=""/>
+        <p:cNvGrpSpPr/>
+        <p:nvPr/>
+      </p:nvGrpSpPr>
+      <p:grpSpPr>
+        <a:xfrm>
+          <a:off x="0" y="0"/>
+          <a:ext cx="0" cy="0"/>
+          <a:chOff x="0" y="0"/>
+          <a:chExt cx="0" cy="0"/>
+        </a:xfrm>
+      </p:grpSpPr>
+      <p:pic>
+        <p:nvPicPr>
+          <p:cNvPr id="5" name="그림 4">
+            <a:extLst>
+              <a:ext uri="{FF2B5EF4-FFF2-40B4-BE49-F238E27FC236}">
+                <a16:creationId xmlns:a16="http://schemas.microsoft.com/office/drawing/2014/main" id="{C9E82E43-D49F-48ED-4CB8-1D8DFE39F8F4}"/>
+              </a:ext>
+            </a:extLst>
+          </p:cNvPr>
+          <p:cNvPicPr>
+            <a:picLocks noChangeAspect="1"/>
+          </p:cNvPicPr>
+          <p:nvPr/>
+        </p:nvPicPr>
+        <p:blipFill>
+          <a:blip r:embed="rId2"/>
+          <a:stretch>
+            <a:fillRect/>
+          </a:stretch>
+        </p:blipFill>
+        <p:spPr>
+          <a:xfrm>
+            <a:off x="533541" y="332943"/>
+            <a:ext cx="6001588" cy="6192114"/>
+          </a:xfrm>
+          <a:prstGeom prst="rect">
+            <a:avLst/>
+          </a:prstGeom>
+        </p:spPr>
+      </p:pic>
+      <p:sp>
+        <p:nvSpPr>
+          <p:cNvPr id="6" name="직사각형 5">
+            <a:extLst>
+              <a:ext uri="{FF2B5EF4-FFF2-40B4-BE49-F238E27FC236}">
+                <a16:creationId xmlns:a16="http://schemas.microsoft.com/office/drawing/2014/main" id="{92C5EF8C-5D8D-910C-3886-9E179C4CAA64}"/>
+              </a:ext>
+            </a:extLst>
+          </p:cNvPr>
+          <p:cNvSpPr/>
+          <p:nvPr/>
+        </p:nvSpPr>
+        <p:spPr>
+          <a:xfrm>
+            <a:off x="7614677" y="2705332"/>
+            <a:ext cx="2865905" cy="1447336"/>
+          </a:xfrm>
+          <a:prstGeom prst="rect">
+            <a:avLst/>
+          </a:prstGeom>
+          <a:solidFill>
+            <a:srgbClr val="00B0F0">
+              <a:alpha val="34000"/>
+            </a:srgbClr>
+          </a:solidFill>
+          <a:ln w="38100">
+            <a:noFill/>
+          </a:ln>
+        </p:spPr>
+        <p:style>
+          <a:lnRef idx="2">
+            <a:schemeClr val="accent1">
+              <a:shade val="50000"/>
+            </a:schemeClr>
+          </a:lnRef>
+          <a:fillRef idx="1">
+            <a:schemeClr val="accent1"/>
+          </a:fillRef>
+          <a:effectRef idx="0">
+            <a:schemeClr val="accent1"/>
+          </a:effectRef>
+          <a:fontRef idx="minor">
+            <a:schemeClr val="lt1"/>
+          </a:fontRef>
+        </p:style>
+        <p:txBody>
+          <a:bodyPr rtlCol="0" anchor="ctr"/>
+          <a:lstStyle/>
+          <a:p>
+            <a:pPr algn="ctr"/>
+            <a:r>
+              <a:rPr lang="en-US" altLang="ko-KR" sz="1600" i="1" dirty="0">
+                <a:solidFill>
+                  <a:schemeClr val="tx1"/>
+                </a:solidFill>
+              </a:rPr>
+              <a:t>Cursor </a:t>
+            </a:r>
+            <a:r>
+              <a:rPr lang="ko-KR" altLang="en-US" sz="1600" i="1" dirty="0">
+                <a:solidFill>
+                  <a:schemeClr val="tx1"/>
+                </a:solidFill>
+              </a:rPr>
+              <a:t>하나하나는 하나의 실행 결과를 가리킨다</a:t>
+            </a:r>
+            <a:r>
+              <a:rPr lang="en-US" altLang="ko-KR" sz="1600" i="1" dirty="0">
+                <a:solidFill>
+                  <a:schemeClr val="tx1"/>
+                </a:solidFill>
+              </a:rPr>
+              <a:t>.</a:t>
+            </a:r>
+            <a:r>
+              <a:rPr lang="ko-KR" altLang="en-US" sz="1600" i="1" dirty="0">
+                <a:solidFill>
+                  <a:schemeClr val="tx1"/>
+                </a:solidFill>
+              </a:rPr>
+              <a:t> 그래서 실행 결과들을 정렬해주어야 하기 때문에</a:t>
+            </a:r>
+            <a:r>
+              <a:rPr lang="en-US" altLang="ko-KR" sz="1600" i="1" dirty="0">
+                <a:solidFill>
+                  <a:schemeClr val="tx1"/>
+                </a:solidFill>
+              </a:rPr>
+              <a:t>,</a:t>
+            </a:r>
+          </a:p>
+          <a:p>
+            <a:pPr algn="ctr"/>
+            <a:r>
+              <a:rPr lang="ko-KR" altLang="en-US" sz="1600" i="1" dirty="0">
+                <a:solidFill>
+                  <a:schemeClr val="tx1"/>
+                </a:solidFill>
+              </a:rPr>
+              <a:t> </a:t>
+            </a:r>
+            <a:r>
+              <a:rPr lang="en-US" altLang="ko-KR" sz="1600" i="1" dirty="0" err="1">
+                <a:solidFill>
+                  <a:schemeClr val="tx1"/>
+                </a:solidFill>
+              </a:rPr>
+              <a:t>keyrange</a:t>
+            </a:r>
+            <a:r>
+              <a:rPr lang="ko-KR" altLang="en-US" sz="1600" i="1" dirty="0">
+                <a:solidFill>
+                  <a:schemeClr val="tx1"/>
+                </a:solidFill>
+              </a:rPr>
+              <a:t>를 이용할 수 밖에 없음</a:t>
+            </a:r>
+            <a:r>
+              <a:rPr lang="en-US" altLang="ko-KR" sz="1600" i="1" dirty="0">
+                <a:solidFill>
+                  <a:schemeClr val="tx1"/>
+                </a:solidFill>
+              </a:rPr>
+              <a:t>.</a:t>
+            </a:r>
+          </a:p>
+        </p:txBody>
+      </p:sp>
+    </p:spTree>
+    <p:extLst>
+      <p:ext uri="{BB962C8B-B14F-4D97-AF65-F5344CB8AC3E}">
+        <p14:creationId xmlns:p14="http://schemas.microsoft.com/office/powerpoint/2010/main" val="1613822493"/>
       </p:ext>
     </p:extLst>
   </p:cSld>
